--- a/slides/01_Introduction.pptx
+++ b/slides/01_Introduction.pptx
@@ -622,6 +622,204 @@
           <a:bodyPr/>
           <a:lstStyle/>
           <a:p>
+            <a:endParaRPr lang="en-US" dirty="0"/>
+          </a:p>
+        </p:txBody>
+      </p:sp>
+    </p:spTree>
+    <p:extLst>
+      <p:ext uri="{BB962C8B-B14F-4D97-AF65-F5344CB8AC3E}">
+        <p14:creationId xmlns:p14="http://schemas.microsoft.com/office/powerpoint/2010/main" val="3380376994"/>
+      </p:ext>
+    </p:extLst>
+  </p:cSld>
+  <p:clrMapOvr>
+    <a:masterClrMapping/>
+  </p:clrMapOvr>
+</p:notes>
+</file>
+
+<file path=ppt/notesSlides/notesSlide3.xml><?xml version="1.0" encoding="utf-8"?>
+<p:notes xmlns:a="http://schemas.openxmlformats.org/drawingml/2006/main" xmlns:r="http://schemas.openxmlformats.org/officeDocument/2006/relationships" xmlns:p="http://schemas.openxmlformats.org/presentationml/2006/main">
+  <p:cSld>
+    <p:spTree>
+      <p:nvGrpSpPr>
+        <p:cNvPr id="1" name=""/>
+        <p:cNvGrpSpPr/>
+        <p:nvPr/>
+      </p:nvGrpSpPr>
+      <p:grpSpPr>
+        <a:xfrm>
+          <a:off x="0" y="0"/>
+          <a:ext cx="0" cy="0"/>
+          <a:chOff x="0" y="0"/>
+          <a:chExt cx="0" cy="0"/>
+        </a:xfrm>
+      </p:grpSpPr>
+      <p:sp>
+        <p:nvSpPr>
+          <p:cNvPr id="2" name="Slide Image Placeholder 1"/>
+          <p:cNvSpPr>
+            <a:spLocks noGrp="1" noRot="1" noChangeAspect="1"/>
+          </p:cNvSpPr>
+          <p:nvPr>
+            <p:ph type="sldImg"/>
+          </p:nvPr>
+        </p:nvSpPr>
+        <p:spPr>
+          <a:xfrm>
+            <a:off x="381000" y="685800"/>
+            <a:ext cx="6096000" cy="3429000"/>
+          </a:xfrm>
+        </p:spPr>
+      </p:sp>
+      <p:sp>
+        <p:nvSpPr>
+          <p:cNvPr id="3" name="Notes Placeholder 2"/>
+          <p:cNvSpPr>
+            <a:spLocks noGrp="1"/>
+          </p:cNvSpPr>
+          <p:nvPr>
+            <p:ph type="body" idx="1"/>
+          </p:nvPr>
+        </p:nvSpPr>
+        <p:spPr/>
+        <p:txBody>
+          <a:bodyPr/>
+          <a:lstStyle/>
+          <a:p>
+            <a:endParaRPr lang="en-US" dirty="0"/>
+          </a:p>
+        </p:txBody>
+      </p:sp>
+    </p:spTree>
+    <p:extLst>
+      <p:ext uri="{BB962C8B-B14F-4D97-AF65-F5344CB8AC3E}">
+        <p14:creationId xmlns:p14="http://schemas.microsoft.com/office/powerpoint/2010/main" val="714859953"/>
+      </p:ext>
+    </p:extLst>
+  </p:cSld>
+  <p:clrMapOvr>
+    <a:masterClrMapping/>
+  </p:clrMapOvr>
+</p:notes>
+</file>
+
+<file path=ppt/notesSlides/notesSlide4.xml><?xml version="1.0" encoding="utf-8"?>
+<p:notes xmlns:a="http://schemas.openxmlformats.org/drawingml/2006/main" xmlns:r="http://schemas.openxmlformats.org/officeDocument/2006/relationships" xmlns:p="http://schemas.openxmlformats.org/presentationml/2006/main">
+  <p:cSld>
+    <p:spTree>
+      <p:nvGrpSpPr>
+        <p:cNvPr id="1" name=""/>
+        <p:cNvGrpSpPr/>
+        <p:nvPr/>
+      </p:nvGrpSpPr>
+      <p:grpSpPr>
+        <a:xfrm>
+          <a:off x="0" y="0"/>
+          <a:ext cx="0" cy="0"/>
+          <a:chOff x="0" y="0"/>
+          <a:chExt cx="0" cy="0"/>
+        </a:xfrm>
+      </p:grpSpPr>
+      <p:sp>
+        <p:nvSpPr>
+          <p:cNvPr id="2" name="Slide Image Placeholder 1"/>
+          <p:cNvSpPr>
+            <a:spLocks noGrp="1" noRot="1" noChangeAspect="1"/>
+          </p:cNvSpPr>
+          <p:nvPr>
+            <p:ph type="sldImg"/>
+          </p:nvPr>
+        </p:nvSpPr>
+        <p:spPr>
+          <a:xfrm>
+            <a:off x="381000" y="685800"/>
+            <a:ext cx="6096000" cy="3429000"/>
+          </a:xfrm>
+        </p:spPr>
+      </p:sp>
+      <p:sp>
+        <p:nvSpPr>
+          <p:cNvPr id="3" name="Notes Placeholder 2"/>
+          <p:cNvSpPr>
+            <a:spLocks noGrp="1"/>
+          </p:cNvSpPr>
+          <p:nvPr>
+            <p:ph type="body" idx="1"/>
+          </p:nvPr>
+        </p:nvSpPr>
+        <p:spPr/>
+        <p:txBody>
+          <a:bodyPr/>
+          <a:lstStyle/>
+          <a:p>
+            <a:endParaRPr lang="en-US" dirty="0"/>
+          </a:p>
+        </p:txBody>
+      </p:sp>
+    </p:spTree>
+    <p:extLst>
+      <p:ext uri="{BB962C8B-B14F-4D97-AF65-F5344CB8AC3E}">
+        <p14:creationId xmlns:p14="http://schemas.microsoft.com/office/powerpoint/2010/main" val="504570996"/>
+      </p:ext>
+    </p:extLst>
+  </p:cSld>
+  <p:clrMapOvr>
+    <a:masterClrMapping/>
+  </p:clrMapOvr>
+</p:notes>
+</file>
+
+<file path=ppt/notesSlides/notesSlide5.xml><?xml version="1.0" encoding="utf-8"?>
+<p:notes xmlns:a="http://schemas.openxmlformats.org/drawingml/2006/main" xmlns:r="http://schemas.openxmlformats.org/officeDocument/2006/relationships" xmlns:p="http://schemas.openxmlformats.org/presentationml/2006/main">
+  <p:cSld>
+    <p:spTree>
+      <p:nvGrpSpPr>
+        <p:cNvPr id="1" name=""/>
+        <p:cNvGrpSpPr/>
+        <p:nvPr/>
+      </p:nvGrpSpPr>
+      <p:grpSpPr>
+        <a:xfrm>
+          <a:off x="0" y="0"/>
+          <a:ext cx="0" cy="0"/>
+          <a:chOff x="0" y="0"/>
+          <a:chExt cx="0" cy="0"/>
+        </a:xfrm>
+      </p:grpSpPr>
+      <p:sp>
+        <p:nvSpPr>
+          <p:cNvPr id="2" name="Slide Image Placeholder 1"/>
+          <p:cNvSpPr>
+            <a:spLocks noGrp="1" noRot="1" noChangeAspect="1"/>
+          </p:cNvSpPr>
+          <p:nvPr>
+            <p:ph type="sldImg"/>
+          </p:nvPr>
+        </p:nvSpPr>
+        <p:spPr>
+          <a:xfrm>
+            <a:off x="381000" y="685800"/>
+            <a:ext cx="6096000" cy="3429000"/>
+          </a:xfrm>
+        </p:spPr>
+      </p:sp>
+      <p:sp>
+        <p:nvSpPr>
+          <p:cNvPr id="3" name="Notes Placeholder 2"/>
+          <p:cNvSpPr>
+            <a:spLocks noGrp="1"/>
+          </p:cNvSpPr>
+          <p:nvPr>
+            <p:ph type="body" idx="1"/>
+          </p:nvPr>
+        </p:nvSpPr>
+        <p:spPr/>
+        <p:txBody>
+          <a:bodyPr/>
+          <a:lstStyle/>
+          <a:p>
             <a:pPr marL="768095" lvl="1" indent="-384047" defTabSz="1536153">
               <a:spcBef>
                 <a:spcPts val="2800"/>
@@ -3265,7 +3463,7 @@
           </a:ln>
           <a:extLst>
             <a:ext uri="{C572A759-6A51-4108-AA02-DFA0A04FC94B}">
-              <ma14:wrappingTextBoxFlag xmlns="" xmlns:m="http://schemas.openxmlformats.org/officeDocument/2006/math" xmlns:a14="http://schemas.microsoft.com/office/drawing/2010/main" xmlns:ma14="http://schemas.microsoft.com/office/mac/drawingml/2011/main" val="1"/>
+              <ma14:wrappingTextBoxFlag xmlns:ma14="http://schemas.microsoft.com/office/mac/drawingml/2011/main" xmlns:a14="http://schemas.microsoft.com/office/drawing/2010/main" xmlns:m="http://schemas.openxmlformats.org/officeDocument/2006/math" xmlns="" val="1"/>
             </a:ext>
           </a:extLst>
         </p:spPr>
@@ -3304,7 +3502,7 @@
           </a:ln>
           <a:extLst>
             <a:ext uri="{C572A759-6A51-4108-AA02-DFA0A04FC94B}">
-              <ma14:wrappingTextBoxFlag xmlns="" xmlns:m="http://schemas.openxmlformats.org/officeDocument/2006/math" xmlns:a14="http://schemas.microsoft.com/office/drawing/2010/main" xmlns:ma14="http://schemas.microsoft.com/office/mac/drawingml/2011/main" val="1"/>
+              <ma14:wrappingTextBoxFlag xmlns:ma14="http://schemas.microsoft.com/office/mac/drawingml/2011/main" xmlns:a14="http://schemas.microsoft.com/office/drawing/2010/main" xmlns:m="http://schemas.openxmlformats.org/officeDocument/2006/math" xmlns="" val="1"/>
             </a:ext>
           </a:extLst>
         </p:spPr>
@@ -4268,7 +4466,7 @@
                   <a:schemeClr val="bg1"/>
                 </a:solidFill>
               </a:rPr>
-              <a:t>Workshop, EPFL 2021</a:t>
+              <a:t>Workshop, AMLD 2021</a:t>
             </a:r>
           </a:p>
           <a:p>
@@ -4303,7 +4501,7 @@
           </a:ln>
           <a:extLst>
             <a:ext uri="{C572A759-6A51-4108-AA02-DFA0A04FC94B}">
-              <ma14:wrappingTextBoxFlag xmlns="" xmlns:m="http://schemas.openxmlformats.org/officeDocument/2006/math" xmlns:a14="http://schemas.microsoft.com/office/drawing/2010/main" xmlns:ma14="http://schemas.microsoft.com/office/mac/drawingml/2011/main" val="1"/>
+              <ma14:wrappingTextBoxFlag xmlns:ma14="http://schemas.microsoft.com/office/mac/drawingml/2011/main" xmlns:a14="http://schemas.microsoft.com/office/drawing/2010/main" xmlns:m="http://schemas.openxmlformats.org/officeDocument/2006/math" xmlns="" val="1"/>
             </a:ext>
           </a:extLst>
         </p:spPr>
@@ -4676,6 +4874,69 @@
           </a:p>
         </p:txBody>
       </p:sp>
+      <p:sp>
+        <p:nvSpPr>
+          <p:cNvPr id="8" name="Slide Subtitle">
+            <a:extLst>
+              <a:ext uri="{FF2B5EF4-FFF2-40B4-BE49-F238E27FC236}">
+                <a16:creationId xmlns:a16="http://schemas.microsoft.com/office/drawing/2014/main" id="{5C0AE59E-30C4-4880-B8C3-DF053ED055DF}"/>
+              </a:ext>
+            </a:extLst>
+          </p:cNvPr>
+          <p:cNvSpPr txBox="1">
+            <a:spLocks noGrp="1"/>
+          </p:cNvSpPr>
+          <p:nvPr>
+            <p:ph type="body" idx="21"/>
+          </p:nvPr>
+        </p:nvSpPr>
+        <p:spPr>
+          <a:xfrm>
+            <a:off x="896537" y="10119210"/>
+            <a:ext cx="21971000" cy="934780"/>
+          </a:xfrm>
+          <a:prstGeom prst="rect">
+            <a:avLst/>
+          </a:prstGeom>
+        </p:spPr>
+        <p:txBody>
+          <a:bodyPr/>
+          <a:lstStyle/>
+          <a:p>
+            <a:r>
+              <a:rPr lang="en-US" b="0" dirty="0">
+                <a:solidFill>
+                  <a:schemeClr val="bg1"/>
+                </a:solidFill>
+              </a:rPr>
+              <a:t>Materials at: </a:t>
+            </a:r>
+            <a:r>
+              <a:rPr lang="en-US" b="0" dirty="0">
+                <a:solidFill>
+                  <a:schemeClr val="bg1"/>
+                </a:solidFill>
+                <a:hlinkClick r:id="rId5">
+                  <a:extLst>
+                    <a:ext uri="{A12FA001-AC4F-418D-AE19-62706E023703}">
+                      <ahyp:hlinkClr xmlns:ahyp="http://schemas.microsoft.com/office/drawing/2018/hyperlinkcolor" val="tx"/>
+                    </a:ext>
+                  </a:extLst>
+                </a:hlinkClick>
+              </a:rPr>
+              <a:t>https://github.com/hanveiga/amld-2021-repML</a:t>
+            </a:r>
+            <a:endParaRPr lang="en-US" b="0" dirty="0">
+              <a:solidFill>
+                <a:schemeClr val="bg1"/>
+              </a:solidFill>
+            </a:endParaRPr>
+          </a:p>
+          <a:p>
+            <a:endParaRPr b="0" dirty="0"/>
+          </a:p>
+        </p:txBody>
+      </p:sp>
     </p:spTree>
   </p:cSld>
   <p:clrMapOvr>
@@ -4911,7 +5172,7 @@
         </p:nvSpPr>
         <p:spPr>
           <a:xfrm>
-            <a:off x="8392886" y="4248504"/>
+            <a:off x="8392886" y="3595360"/>
             <a:ext cx="14784614" cy="8256012"/>
           </a:xfrm>
           <a:prstGeom prst="rect">
@@ -4940,8 +5201,22 @@
               <a:buNone/>
             </a:pPr>
             <a:r>
-              <a:rPr lang="en-US" sz="4000" dirty="0"/>
-              <a:t>Postdoctoral fellow at the Michigan Institute for Data Science (University of Michigan)</a:t>
+              <a:rPr lang="en-US" sz="3600" dirty="0"/>
+              <a:t>Postdoctoral Fellow</a:t>
+            </a:r>
+            <a:br>
+              <a:rPr lang="en-US" sz="3600" dirty="0"/>
+            </a:br>
+            <a:r>
+              <a:rPr lang="en-US" sz="3600" dirty="0"/>
+              <a:t>Michigan Institute for Data Science</a:t>
+            </a:r>
+            <a:br>
+              <a:rPr lang="en-US" sz="3600" dirty="0"/>
+            </a:br>
+            <a:r>
+              <a:rPr lang="en-US" sz="3600" dirty="0"/>
+              <a:t>University of Michigan</a:t>
             </a:r>
           </a:p>
           <a:p>
@@ -4949,8 +5224,30 @@
               <a:buNone/>
             </a:pPr>
             <a:r>
-              <a:rPr lang="en-US" sz="4000" dirty="0"/>
-              <a:t>Previously PhD candidate at University of Zurich</a:t>
+              <a:rPr lang="en-US" sz="3600" dirty="0"/>
+              <a:t>PhD, </a:t>
+            </a:r>
+            <a:r>
+              <a:rPr lang="en-US" sz="3600" i="1" dirty="0"/>
+              <a:t>Mathematics</a:t>
+            </a:r>
+            <a:r>
+              <a:rPr lang="en-US" sz="3600" dirty="0"/>
+              <a:t>, University of Zurich</a:t>
+            </a:r>
+            <a:br>
+              <a:rPr lang="en-US" sz="3600" dirty="0"/>
+            </a:br>
+            <a:r>
+              <a:rPr lang="en-US" sz="3600" dirty="0"/>
+              <a:t>MSc, ?</a:t>
+            </a:r>
+            <a:br>
+              <a:rPr lang="en-US" sz="3600" dirty="0"/>
+            </a:br>
+            <a:r>
+              <a:rPr lang="en-US" sz="3600" dirty="0"/>
+              <a:t>BSc, ?</a:t>
             </a:r>
           </a:p>
           <a:p>
@@ -4958,7 +5255,7 @@
               <a:buNone/>
             </a:pPr>
             <a:r>
-              <a:rPr lang="en-US" sz="4000" dirty="0"/>
+              <a:rPr lang="en-US" sz="3600" dirty="0"/>
               <a:t>Specialties: Computational Science and Mathematics</a:t>
             </a:r>
           </a:p>
@@ -4991,14 +5288,14 @@
           <p:nvPr/>
         </p:nvPicPr>
         <p:blipFill>
-          <a:blip r:embed="rId2"/>
+          <a:blip r:embed="rId3"/>
           <a:stretch>
             <a:fillRect/>
           </a:stretch>
         </p:blipFill>
         <p:spPr>
           <a:xfrm>
-            <a:off x="1206500" y="4248504"/>
+            <a:off x="1206500" y="3621486"/>
             <a:ext cx="6013450" cy="5719085"/>
           </a:xfrm>
           <a:prstGeom prst="rect">
@@ -5021,7 +5318,7 @@
           <p:nvPr/>
         </p:nvPicPr>
         <p:blipFill>
-          <a:blip r:embed="rId3"/>
+          <a:blip r:embed="rId4"/>
           <a:stretch>
             <a:fillRect/>
           </a:stretch>
@@ -5051,7 +5348,7 @@
           <p:nvPr/>
         </p:nvPicPr>
         <p:blipFill>
-          <a:blip r:embed="rId4"/>
+          <a:blip r:embed="rId5"/>
           <a:stretch>
             <a:fillRect/>
           </a:stretch>
@@ -5081,7 +5378,7 @@
           <p:nvPr/>
         </p:nvPicPr>
         <p:blipFill>
-          <a:blip r:embed="rId5"/>
+          <a:blip r:embed="rId6"/>
           <a:stretch>
             <a:fillRect/>
           </a:stretch>
@@ -5314,6 +5611,41 @@
           <a:chExt cx="0" cy="0"/>
         </a:xfrm>
       </p:grpSpPr>
+      <p:pic>
+        <p:nvPicPr>
+          <p:cNvPr id="3" name="Picture 2" descr="A person holding a glass of wine&#10;&#10;Description automatically generated with medium confidence">
+            <a:extLst>
+              <a:ext uri="{FF2B5EF4-FFF2-40B4-BE49-F238E27FC236}">
+                <a16:creationId xmlns:a16="http://schemas.microsoft.com/office/drawing/2014/main" id="{16DEE170-FF22-42E7-9AD9-205765C7374C}"/>
+              </a:ext>
+            </a:extLst>
+          </p:cNvPr>
+          <p:cNvPicPr>
+            <a:picLocks noChangeAspect="1"/>
+          </p:cNvPicPr>
+          <p:nvPr/>
+        </p:nvPicPr>
+        <p:blipFill rotWithShape="1">
+          <a:blip r:embed="rId3" cstate="print">
+            <a:extLst>
+              <a:ext uri="{28A0092B-C50C-407E-A947-70E740481C1C}">
+                <a14:useLocalDpi xmlns:a14="http://schemas.microsoft.com/office/drawing/2010/main" val="0"/>
+              </a:ext>
+            </a:extLst>
+          </a:blip>
+          <a:srcRect l="12500" t="4896" r="12500"/>
+          <a:stretch/>
+        </p:blipFill>
+        <p:spPr>
+          <a:xfrm>
+            <a:off x="1206500" y="3633084"/>
+            <a:ext cx="6013450" cy="5719086"/>
+          </a:xfrm>
+          <a:prstGeom prst="rect">
+            <a:avLst/>
+          </a:prstGeom>
+        </p:spPr>
+      </p:pic>
       <p:sp>
         <p:nvSpPr>
           <p:cNvPr id="163" name="Who are we"/>
@@ -5374,8 +5706,8 @@
         </p:nvSpPr>
         <p:spPr>
           <a:xfrm>
-            <a:off x="8392886" y="4248504"/>
-            <a:ext cx="14784614" cy="8256012"/>
+            <a:off x="8392886" y="3595356"/>
+            <a:ext cx="15041880" cy="8256012"/>
           </a:xfrm>
           <a:prstGeom prst="rect">
             <a:avLst/>
@@ -5403,8 +5735,22 @@
               <a:buNone/>
             </a:pPr>
             <a:r>
-              <a:rPr lang="en-US" sz="4000" dirty="0"/>
-              <a:t>Postdoctoral fellow at the Institute for Computational Science (University of Zurich)</a:t>
+              <a:rPr lang="en-US" sz="3600" dirty="0"/>
+              <a:t>Postdoctoral Researcher</a:t>
+            </a:r>
+            <a:br>
+              <a:rPr lang="en-US" sz="3600" dirty="0"/>
+            </a:br>
+            <a:r>
+              <a:rPr lang="en-US" sz="3600" dirty="0"/>
+              <a:t>Institute for Computational Science</a:t>
+            </a:r>
+            <a:br>
+              <a:rPr lang="en-US" sz="3600" dirty="0"/>
+            </a:br>
+            <a:r>
+              <a:rPr lang="en-US" sz="3600" dirty="0"/>
+              <a:t>University of Zurich</a:t>
             </a:r>
           </a:p>
           <a:p>
@@ -5412,8 +5758,46 @@
               <a:buNone/>
             </a:pPr>
             <a:r>
-              <a:rPr lang="en-US" sz="4000" dirty="0"/>
-              <a:t>Previously PhD candidate at University of Zurich</a:t>
+              <a:rPr lang="en-US" sz="3600" dirty="0"/>
+              <a:t>PhD, </a:t>
+            </a:r>
+            <a:r>
+              <a:rPr lang="en-US" sz="3600" i="1" dirty="0"/>
+              <a:t>Theoretical Astrophysics &amp; Cosmology </a:t>
+            </a:r>
+            <a:r>
+              <a:rPr lang="en-US" sz="3600" dirty="0"/>
+              <a:t>(University of Zurich)</a:t>
+            </a:r>
+            <a:br>
+              <a:rPr lang="en-US" sz="3600" dirty="0"/>
+            </a:br>
+            <a:r>
+              <a:rPr lang="en-US" sz="3600" dirty="0"/>
+              <a:t>MSc, </a:t>
+            </a:r>
+            <a:r>
+              <a:rPr lang="en-US" sz="3600" i="1" dirty="0"/>
+              <a:t>Astrophysics</a:t>
+            </a:r>
+            <a:r>
+              <a:rPr lang="en-US" sz="3600" dirty="0"/>
+              <a:t> (Erasmus Mundus Joint Master Program)</a:t>
+            </a:r>
+            <a:br>
+              <a:rPr lang="en-US" sz="3600" dirty="0"/>
+            </a:br>
+            <a:r>
+              <a:rPr lang="en-US" sz="3600" dirty="0"/>
+              <a:t>BSc, </a:t>
+            </a:r>
+            <a:r>
+              <a:rPr lang="en-US" sz="3600" i="1" dirty="0"/>
+              <a:t>Physics &amp; Astronomy </a:t>
+            </a:r>
+            <a:r>
+              <a:rPr lang="en-US" sz="3600" dirty="0"/>
+              <a:t>(University of Washington)</a:t>
             </a:r>
           </a:p>
           <a:p>
@@ -5421,8 +5805,8 @@
               <a:buNone/>
             </a:pPr>
             <a:r>
-              <a:rPr lang="en-US" sz="4000" dirty="0"/>
-              <a:t>Specialties: Computational Science and Astrophysics</a:t>
+              <a:rPr lang="en-US" sz="3600" dirty="0"/>
+              <a:t>Specialties: Computational Astrophysics, Rocket Stuff</a:t>
             </a:r>
           </a:p>
           <a:p>
@@ -5454,7 +5838,7 @@
           <p:nvPr/>
         </p:nvPicPr>
         <p:blipFill>
-          <a:blip r:embed="rId2"/>
+          <a:blip r:embed="rId4"/>
           <a:stretch>
             <a:fillRect/>
           </a:stretch>
@@ -5484,7 +5868,7 @@
           <p:nvPr/>
         </p:nvPicPr>
         <p:blipFill>
-          <a:blip r:embed="rId3"/>
+          <a:blip r:embed="rId5"/>
           <a:stretch>
             <a:fillRect/>
           </a:stretch>
@@ -5514,7 +5898,7 @@
           <p:nvPr/>
         </p:nvPicPr>
         <p:blipFill>
-          <a:blip r:embed="rId4"/>
+          <a:blip r:embed="rId6"/>
           <a:stretch>
             <a:fillRect/>
           </a:stretch>
@@ -5529,6 +5913,188 @@
           </a:prstGeom>
         </p:spPr>
       </p:pic>
+      <p:sp>
+        <p:nvSpPr>
+          <p:cNvPr id="8" name="TextBox 7">
+            <a:extLst>
+              <a:ext uri="{FF2B5EF4-FFF2-40B4-BE49-F238E27FC236}">
+                <a16:creationId xmlns:a16="http://schemas.microsoft.com/office/drawing/2014/main" id="{ED6340A5-A5A7-4101-98F9-7D5072D493E6}"/>
+              </a:ext>
+            </a:extLst>
+          </p:cNvPr>
+          <p:cNvSpPr txBox="1"/>
+          <p:nvPr/>
+        </p:nvSpPr>
+        <p:spPr>
+          <a:xfrm>
+            <a:off x="4078305" y="12077659"/>
+            <a:ext cx="6480941" cy="841256"/>
+          </a:xfrm>
+          <a:prstGeom prst="rect">
+            <a:avLst/>
+          </a:prstGeom>
+          <a:noFill/>
+          <a:ln w="12700" cap="flat">
+            <a:noFill/>
+            <a:miter lim="400000"/>
+          </a:ln>
+          <a:effectLst/>
+          <a:sp3d/>
+        </p:spPr>
+        <p:style>
+          <a:lnRef idx="0">
+            <a:scrgbClr r="0" g="0" b="0"/>
+          </a:lnRef>
+          <a:fillRef idx="0">
+            <a:scrgbClr r="0" g="0" b="0"/>
+          </a:fillRef>
+          <a:effectRef idx="0">
+            <a:scrgbClr r="0" g="0" b="0"/>
+          </a:effectRef>
+          <a:fontRef idx="none"/>
+        </p:style>
+        <p:txBody>
+          <a:bodyPr rot="0" spcFirstLastPara="1" vertOverflow="overflow" horzOverflow="overflow" vert="horz" wrap="none" lIns="50800" tIns="50800" rIns="50800" bIns="50800" numCol="1" spcCol="38100" rtlCol="0" anchor="ctr">
+            <a:spAutoFit/>
+          </a:bodyPr>
+          <a:lstStyle/>
+          <a:p>
+            <a:pPr marL="0" marR="0" indent="0" algn="ctr" defTabSz="2438338" rtl="0" fontAlgn="auto" latinLnBrk="0" hangingPunct="0">
+              <a:lnSpc>
+                <a:spcPct val="100000"/>
+              </a:lnSpc>
+              <a:spcBef>
+                <a:spcPts val="0"/>
+              </a:spcBef>
+              <a:spcAft>
+                <a:spcPts val="0"/>
+              </a:spcAft>
+              <a:buClrTx/>
+              <a:buSzTx/>
+              <a:buFontTx/>
+              <a:buNone/>
+              <a:tabLst/>
+            </a:pPr>
+            <a:r>
+              <a:rPr lang="en-US" sz="4800" dirty="0">
+                <a:solidFill>
+                  <a:schemeClr val="bg2">
+                    <a:lumMod val="10000"/>
+                  </a:schemeClr>
+                </a:solidFill>
+              </a:rPr>
+              <a:t>mtimpe@physik.uzh.ch</a:t>
+            </a:r>
+            <a:endParaRPr kumimoji="0" lang="en-US" sz="4800" b="0" i="0" u="none" strike="noStrike" cap="none" spc="0" normalizeH="0" baseline="0" dirty="0">
+              <a:ln>
+                <a:noFill/>
+              </a:ln>
+              <a:solidFill>
+                <a:schemeClr val="bg2">
+                  <a:lumMod val="10000"/>
+                </a:schemeClr>
+              </a:solidFill>
+              <a:effectLst/>
+              <a:uFillTx/>
+              <a:latin typeface="+mn-lt"/>
+              <a:ea typeface="+mn-ea"/>
+              <a:cs typeface="+mn-cs"/>
+              <a:sym typeface="Helvetica Neue"/>
+            </a:endParaRPr>
+          </a:p>
+        </p:txBody>
+      </p:sp>
+      <p:sp>
+        <p:nvSpPr>
+          <p:cNvPr id="9" name="TextBox 8">
+            <a:extLst>
+              <a:ext uri="{FF2B5EF4-FFF2-40B4-BE49-F238E27FC236}">
+                <a16:creationId xmlns:a16="http://schemas.microsoft.com/office/drawing/2014/main" id="{38CECB8E-9C7A-4DA3-8C09-276D639AE6AD}"/>
+              </a:ext>
+            </a:extLst>
+          </p:cNvPr>
+          <p:cNvSpPr txBox="1"/>
+          <p:nvPr/>
+        </p:nvSpPr>
+        <p:spPr>
+          <a:xfrm>
+            <a:off x="4078305" y="10746862"/>
+            <a:ext cx="7639913" cy="841256"/>
+          </a:xfrm>
+          <a:prstGeom prst="rect">
+            <a:avLst/>
+          </a:prstGeom>
+          <a:noFill/>
+          <a:ln w="12700" cap="flat">
+            <a:noFill/>
+            <a:miter lim="400000"/>
+          </a:ln>
+          <a:effectLst/>
+          <a:sp3d/>
+        </p:spPr>
+        <p:style>
+          <a:lnRef idx="0">
+            <a:scrgbClr r="0" g="0" b="0"/>
+          </a:lnRef>
+          <a:fillRef idx="0">
+            <a:scrgbClr r="0" g="0" b="0"/>
+          </a:fillRef>
+          <a:effectRef idx="0">
+            <a:scrgbClr r="0" g="0" b="0"/>
+          </a:effectRef>
+          <a:fontRef idx="none"/>
+        </p:style>
+        <p:txBody>
+          <a:bodyPr rot="0" spcFirstLastPara="1" vertOverflow="overflow" horzOverflow="overflow" vert="horz" wrap="none" lIns="50800" tIns="50800" rIns="50800" bIns="50800" numCol="1" spcCol="38100" rtlCol="0" anchor="ctr">
+            <a:spAutoFit/>
+          </a:bodyPr>
+          <a:lstStyle/>
+          <a:p>
+            <a:pPr marL="0" marR="0" indent="0" algn="ctr" defTabSz="2438338" rtl="0" fontAlgn="auto" latinLnBrk="0" hangingPunct="0">
+              <a:lnSpc>
+                <a:spcPct val="100000"/>
+              </a:lnSpc>
+              <a:spcBef>
+                <a:spcPts val="0"/>
+              </a:spcBef>
+              <a:spcAft>
+                <a:spcPts val="0"/>
+              </a:spcAft>
+              <a:buClrTx/>
+              <a:buSzTx/>
+              <a:buFontTx/>
+              <a:buNone/>
+              <a:tabLst/>
+            </a:pPr>
+            <a:r>
+              <a:rPr lang="en-US" sz="4800" dirty="0">
+                <a:solidFill>
+                  <a:schemeClr val="bg2">
+                    <a:lumMod val="10000"/>
+                  </a:schemeClr>
+                </a:solidFill>
+              </a:rPr>
+              <a:t>Too old / not cool like Maria</a:t>
+            </a:r>
+            <a:endParaRPr kumimoji="0" lang="en-US" sz="4800" b="0" i="0" u="none" strike="noStrike" cap="none" spc="0" normalizeH="0" baseline="0" dirty="0">
+              <a:ln>
+                <a:noFill/>
+              </a:ln>
+              <a:solidFill>
+                <a:schemeClr val="bg2">
+                  <a:lumMod val="10000"/>
+                </a:schemeClr>
+              </a:solidFill>
+              <a:effectLst/>
+              <a:uFillTx/>
+              <a:latin typeface="+mn-lt"/>
+              <a:ea typeface="+mn-ea"/>
+              <a:cs typeface="+mn-cs"/>
+              <a:sym typeface="Helvetica Neue"/>
+            </a:endParaRPr>
+          </a:p>
+        </p:txBody>
+      </p:sp>
     </p:spTree>
     <p:extLst>
       <p:ext uri="{BB962C8B-B14F-4D97-AF65-F5344CB8AC3E}">
@@ -5795,7 +6361,7 @@
           <p:nvPr/>
         </p:nvPicPr>
         <p:blipFill>
-          <a:blip r:embed="rId2">
+          <a:blip r:embed="rId2" cstate="print">
             <a:extLst>
               <a:ext uri="{28A0092B-C50C-407E-A947-70E740481C1C}">
                 <a14:useLocalDpi xmlns:a14="http://schemas.microsoft.com/office/drawing/2010/main" val="0"/>
@@ -6001,7 +6567,7 @@
         <p:spPr>
           <a:xfrm>
             <a:off x="1206500" y="4248504"/>
-            <a:ext cx="13646924" cy="8256012"/>
+            <a:ext cx="13606780" cy="8256012"/>
           </a:xfrm>
           <a:prstGeom prst="rect">
             <a:avLst/>
@@ -6069,7 +6635,7 @@
           <p:nvPr/>
         </p:nvPicPr>
         <p:blipFill>
-          <a:blip r:embed="rId2">
+          <a:blip r:embed="rId3" cstate="print">
             <a:extLst>
               <a:ext uri="{28A0092B-C50C-407E-A947-70E740481C1C}">
                 <a14:useLocalDpi xmlns:a14="http://schemas.microsoft.com/office/drawing/2010/main" val="0"/>
